--- a/卒業論文/2016/大木崇雅/中間審査/1442020_大木崇雅_ポスター.pptx
+++ b/卒業論文/2016/大木崇雅/中間審査/1442020_大木崇雅_ポスター.pptx
@@ -208,7 +208,7 @@
           <a:p>
             <a:fld id="{210935E7-A51F-4FE3-8E46-E43B536CCFB8}" type="datetimeFigureOut">
               <a:rPr kumimoji="1" lang="ja-JP" altLang="en-US" smtClean="0"/>
-              <a:t>2017/10/10</a:t>
+              <a:t>2017/10/11</a:t>
             </a:fld>
             <a:endParaRPr kumimoji="1" lang="ja-JP" altLang="en-US"/>
           </a:p>
@@ -697,7 +697,7 @@
                 </a:solidFill>
               </a:rPr>
               <a:pPr/>
-              <a:t>2017/10/10</a:t>
+              <a:t>2017/10/11</a:t>
             </a:fld>
             <a:endParaRPr lang="ja-JP" altLang="en-US">
               <a:solidFill>
@@ -937,7 +937,7 @@
                 </a:solidFill>
               </a:rPr>
               <a:pPr defTabSz="2951897"/>
-              <a:t>2017/10/10</a:t>
+              <a:t>2017/10/11</a:t>
             </a:fld>
             <a:endParaRPr lang="ja-JP" altLang="en-US">
               <a:solidFill>
@@ -1189,7 +1189,7 @@
                 </a:solidFill>
               </a:rPr>
               <a:pPr defTabSz="2951897"/>
-              <a:t>2017/10/10</a:t>
+              <a:t>2017/10/11</a:t>
             </a:fld>
             <a:endParaRPr lang="ja-JP" altLang="en-US">
               <a:solidFill>
@@ -1430,7 +1430,7 @@
                 </a:solidFill>
               </a:rPr>
               <a:pPr/>
-              <a:t>2017/10/10</a:t>
+              <a:t>2017/10/11</a:t>
             </a:fld>
             <a:endParaRPr lang="ja-JP" altLang="en-US">
               <a:solidFill>
@@ -1713,7 +1713,7 @@
                 </a:solidFill>
               </a:rPr>
               <a:pPr/>
-              <a:t>2017/10/10</a:t>
+              <a:t>2017/10/11</a:t>
             </a:fld>
             <a:endParaRPr lang="ja-JP" altLang="en-US">
               <a:solidFill>
@@ -2102,7 +2102,7 @@
                 </a:solidFill>
               </a:rPr>
               <a:pPr/>
-              <a:t>2017/10/10</a:t>
+              <a:t>2017/10/11</a:t>
             </a:fld>
             <a:endParaRPr lang="ja-JP" altLang="en-US">
               <a:solidFill>
@@ -2625,7 +2625,7 @@
                 </a:solidFill>
               </a:rPr>
               <a:pPr/>
-              <a:t>2017/10/10</a:t>
+              <a:t>2017/10/11</a:t>
             </a:fld>
             <a:endParaRPr lang="ja-JP" altLang="en-US">
               <a:solidFill>
@@ -2780,7 +2780,7 @@
                 </a:solidFill>
               </a:rPr>
               <a:pPr/>
-              <a:t>2017/10/10</a:t>
+              <a:t>2017/10/11</a:t>
             </a:fld>
             <a:endParaRPr lang="ja-JP" altLang="en-US">
               <a:solidFill>
@@ -2912,7 +2912,7 @@
                 </a:solidFill>
               </a:rPr>
               <a:pPr/>
-              <a:t>2017/10/10</a:t>
+              <a:t>2017/10/11</a:t>
             </a:fld>
             <a:endParaRPr lang="ja-JP" altLang="en-US">
               <a:solidFill>
@@ -3259,7 +3259,7 @@
                 </a:solidFill>
               </a:rPr>
               <a:pPr defTabSz="2951897"/>
-              <a:t>2017/10/10</a:t>
+              <a:t>2017/10/11</a:t>
             </a:fld>
             <a:endParaRPr lang="ja-JP" altLang="en-US">
               <a:solidFill>
@@ -3551,7 +3551,7 @@
                 </a:solidFill>
               </a:rPr>
               <a:pPr/>
-              <a:t>2017/10/10</a:t>
+              <a:t>2017/10/11</a:t>
             </a:fld>
             <a:endParaRPr lang="ja-JP" altLang="en-US">
               <a:solidFill>
@@ -3834,7 +3834,7 @@
                 </a:solidFill>
               </a:rPr>
               <a:pPr defTabSz="2951897"/>
-              <a:t>2017/10/10</a:t>
+              <a:t>2017/10/11</a:t>
             </a:fld>
             <a:endParaRPr lang="ja-JP" altLang="en-US">
               <a:solidFill>
@@ -4269,15 +4269,7 @@
                   <a:prstClr val="black"/>
                 </a:solidFill>
               </a:rPr>
-              <a:t>ブロックチェーンによるゲーム内乱数</a:t>
-            </a:r>
-            <a:r>
-              <a:rPr lang="ja-JP" altLang="en-US" sz="7200" dirty="0" smtClean="0">
-                <a:solidFill>
-                  <a:prstClr val="black"/>
-                </a:solidFill>
-              </a:rPr>
-              <a:t>の</a:t>
+              <a:t>ブロックチェーンによるゲーム内乱数の</a:t>
             </a:r>
             <a:endParaRPr lang="en-US" altLang="ja-JP" sz="7200" dirty="0" smtClean="0">
               <a:solidFill>
@@ -4293,15 +4285,7 @@
                   <a:prstClr val="black"/>
                 </a:solidFill>
               </a:rPr>
-              <a:t>信憑性</a:t>
-            </a:r>
-            <a:r>
-              <a:rPr lang="ja-JP" altLang="en-US" sz="7200" dirty="0" smtClean="0">
-                <a:solidFill>
-                  <a:prstClr val="black"/>
-                </a:solidFill>
-              </a:rPr>
-              <a:t>確認法の提案</a:t>
+              <a:t>信憑性確認法の提案</a:t>
             </a:r>
             <a:endParaRPr lang="en-US" altLang="ja-JP" sz="7200" dirty="0" smtClean="0">
               <a:solidFill>
@@ -14928,8 +14912,24 @@
               <a:t>によって入手できる</a:t>
             </a:r>
             <a:r>
-              <a:rPr lang="ja-JP" altLang="en-US" sz="3600" dirty="0" smtClean="0"/>
-              <a:t>ガチャの確立と</a:t>
+              <a:rPr lang="ja-JP" altLang="en-US" sz="3600" smtClean="0"/>
+              <a:t>ガチャ</a:t>
+            </a:r>
+            <a:r>
+              <a:rPr lang="ja-JP" altLang="en-US" sz="3600" smtClean="0"/>
+              <a:t>の</a:t>
+            </a:r>
+            <a:r>
+              <a:rPr lang="ja-JP" altLang="en-US" sz="3600" smtClean="0"/>
+              <a:t>確</a:t>
+            </a:r>
+            <a:r>
+              <a:rPr lang="ja-JP" altLang="en-US" sz="3600"/>
+              <a:t>率</a:t>
+            </a:r>
+            <a:r>
+              <a:rPr lang="ja-JP" altLang="en-US" sz="3600" smtClean="0"/>
+              <a:t>と</a:t>
             </a:r>
             <a:r>
               <a:rPr lang="ja-JP" altLang="en-US" sz="3600" dirty="0"/>
@@ -29462,11 +29462,7 @@
             </a:pPr>
             <a:r>
               <a:rPr lang="ja-JP" altLang="en-US" sz="3668" dirty="0" smtClean="0"/>
-              <a:t>ブロックに書き込まれたデータを取り出し集計して確率</a:t>
-            </a:r>
-            <a:r>
-              <a:rPr lang="ja-JP" altLang="en-US" sz="3668" dirty="0" smtClean="0"/>
-              <a:t>を</a:t>
+              <a:t>ブロックに書き込まれたデータを取り出し集計して確率を</a:t>
             </a:r>
             <a:r>
               <a:rPr lang="ja-JP" altLang="en-US" sz="3668" dirty="0"/>
@@ -29474,11 +29470,7 @@
             </a:r>
             <a:r>
               <a:rPr lang="ja-JP" altLang="en-US" sz="3668" dirty="0" smtClean="0"/>
-              <a:t>する</a:t>
-            </a:r>
-            <a:r>
-              <a:rPr lang="ja-JP" altLang="en-US" sz="3668" dirty="0" smtClean="0"/>
-              <a:t>．</a:t>
+              <a:t>する．</a:t>
             </a:r>
             <a:endParaRPr lang="en-US" altLang="ja-JP" sz="3668" dirty="0"/>
           </a:p>
